--- a/16_HttpError/16_HttpError.pptx
+++ b/16_HttpError/16_HttpError.pptx
@@ -3655,7 +3655,7 @@
                   <a:srgbClr val="FFFF00"/>
                 </a:solidFill>
               </a:rPr>
-              <a:t>15 Render Template Shortcut</a:t>
+              <a:t>16 Http Error</a:t>
             </a:r>
             <a:endParaRPr lang="zh-TW" altLang="en-US" b="1" dirty="0">
               <a:solidFill>
@@ -4052,7 +4052,7 @@
                   <a:srgbClr val="FFFF00"/>
                 </a:solidFill>
               </a:rPr>
-              <a:t>15 Render Template Shortcut</a:t>
+              <a:t>16 Http Error</a:t>
             </a:r>
             <a:endParaRPr lang="zh-TW" altLang="en-US" b="1" dirty="0">
               <a:solidFill>
@@ -4433,7 +4433,7 @@
                   <a:srgbClr val="FFFF00"/>
                 </a:solidFill>
               </a:rPr>
-              <a:t>15 Render Template Shortcut</a:t>
+              <a:t>16 Http Error</a:t>
             </a:r>
             <a:endParaRPr lang="zh-TW" altLang="en-US" b="1" dirty="0">
               <a:solidFill>
@@ -4743,7 +4743,7 @@
                   <a:srgbClr val="FFFF00"/>
                 </a:solidFill>
               </a:rPr>
-              <a:t>15 Render Template Shortcut</a:t>
+              <a:t>16 Http Error</a:t>
             </a:r>
             <a:endParaRPr lang="zh-TW" altLang="en-US" b="1" dirty="0">
               <a:solidFill>
@@ -5103,7 +5103,7 @@
                   <a:srgbClr val="FFFF00"/>
                 </a:solidFill>
               </a:rPr>
-              <a:t>15 Render Template Shortcut</a:t>
+              <a:t>16 Http Error</a:t>
             </a:r>
             <a:endParaRPr lang="zh-TW" altLang="en-US" b="1" dirty="0">
               <a:solidFill>

--- a/16_HttpError/16_HttpError.pptx
+++ b/16_HttpError/16_HttpError.pptx
@@ -3707,40 +3707,6 @@
                 </a:solidFill>
               </a:rPr>
               <a:t>This section discusses the Http Error.</a:t>
-            </a:r>
-          </a:p>
-          <a:p>
-            <a:pPr marL="342900" indent="-342900" algn="l">
-              <a:buClr>
-                <a:srgbClr val="0070C0"/>
-              </a:buClr>
-              <a:buSzPct val="80000"/>
-              <a:buFont typeface="Wingdings" pitchFamily="2" charset="2"/>
-              <a:buChar char="u"/>
-            </a:pPr>
-            <a:r>
-              <a:rPr lang="en-US" sz="1800" dirty="0">
-                <a:solidFill>
-                  <a:schemeClr val="tx1"/>
-                </a:solidFill>
-              </a:rPr>
-              <a:t>&gt; python manage.py </a:t>
-            </a:r>
-            <a:r>
-              <a:rPr lang="en-US" sz="1800" dirty="0" err="1">
-                <a:solidFill>
-                  <a:schemeClr val="tx1"/>
-                </a:solidFill>
-              </a:rPr>
-              <a:t>runserver</a:t>
-            </a:r>
-            <a:r>
-              <a:rPr lang="en-US" sz="1800" dirty="0">
-                <a:solidFill>
-                  <a:schemeClr val="tx1"/>
-                </a:solidFill>
-              </a:rPr>
-              <a:t> 8080</a:t>
             </a:r>
           </a:p>
           <a:p>
